--- a/Session 2/Shiny workshop - session 2.pptx
+++ b/Session 2/Shiny workshop - session 2.pptx
@@ -245,7 +245,7 @@
           <a:p>
             <a:fld id="{EC34C92B-6A45-864A-B429-22A9039765DA}" type="datetimeFigureOut">
               <a:rPr lang="en-US" smtClean="0"/>
-              <a:t>16-Jan-19</a:t>
+              <a:t>17-Jan-19</a:t>
             </a:fld>
             <a:endParaRPr lang="en-US" dirty="0"/>
           </a:p>
@@ -422,7 +422,7 @@
           <a:p>
             <a:fld id="{0D265FE6-BEE9-465E-9202-2D200EDE749C}" type="datetimeFigureOut">
               <a:rPr lang="en-GB" smtClean="0"/>
-              <a:t>16/01/2019</a:t>
+              <a:t>17/01/2019</a:t>
             </a:fld>
             <a:endParaRPr lang="en-GB" dirty="0"/>
           </a:p>
@@ -12721,6 +12721,13 @@
   <p:clrMapOvr>
     <a:masterClrMapping/>
   </p:clrMapOvr>
+  <p:timing>
+    <p:tnLst>
+      <p:par>
+        <p:cTn id="1" dur="indefinite" restart="never" nodeType="tmRoot"/>
+      </p:par>
+    </p:tnLst>
+  </p:timing>
 </p:sld>
 </file>
 
@@ -13120,6 +13127,13 @@
   <p:clrMapOvr>
     <a:masterClrMapping/>
   </p:clrMapOvr>
+  <p:timing>
+    <p:tnLst>
+      <p:par>
+        <p:cTn id="1" dur="indefinite" restart="never" nodeType="tmRoot"/>
+      </p:par>
+    </p:tnLst>
+  </p:timing>
 </p:sld>
 </file>
 
@@ -13251,6 +13265,13 @@
   <p:clrMapOvr>
     <a:masterClrMapping/>
   </p:clrMapOvr>
+  <p:timing>
+    <p:tnLst>
+      <p:par>
+        <p:cTn id="1" dur="indefinite" restart="never" nodeType="tmRoot"/>
+      </p:par>
+    </p:tnLst>
+  </p:timing>
 </p:sld>
 </file>
 
@@ -13431,6 +13452,13 @@
   <p:clrMapOvr>
     <a:masterClrMapping/>
   </p:clrMapOvr>
+  <p:timing>
+    <p:tnLst>
+      <p:par>
+        <p:cTn id="1" dur="indefinite" restart="never" nodeType="tmRoot"/>
+      </p:par>
+    </p:tnLst>
+  </p:timing>
 </p:sld>
 </file>
 
@@ -13548,6 +13576,13 @@
   <p:clrMapOvr>
     <a:masterClrMapping/>
   </p:clrMapOvr>
+  <p:timing>
+    <p:tnLst>
+      <p:par>
+        <p:cTn id="1" dur="indefinite" restart="never" nodeType="tmRoot"/>
+      </p:par>
+    </p:tnLst>
+  </p:timing>
 </p:sld>
 </file>
 
@@ -13640,11 +13675,7 @@
           <a:p>
             <a:r>
               <a:rPr lang="en-US" dirty="0" smtClean="0"/>
-              <a:t>You will need the package </a:t>
-            </a:r>
-            <a:r>
-              <a:rPr lang="en-US" dirty="0" smtClean="0"/>
-              <a:t>“</a:t>
+              <a:t>You will need the package “</a:t>
             </a:r>
             <a:r>
               <a:rPr lang="en-US" dirty="0" err="1" smtClean="0"/>
@@ -13654,7 +13685,6 @@
               <a:rPr lang="en-US" dirty="0" smtClean="0"/>
               <a:t>”</a:t>
             </a:r>
-            <a:endParaRPr lang="en-US" dirty="0" smtClean="0"/>
           </a:p>
           <a:p>
             <a:endParaRPr lang="en-US" dirty="0"/>
@@ -13694,6 +13724,13 @@
   <p:clrMapOvr>
     <a:masterClrMapping/>
   </p:clrMapOvr>
+  <p:timing>
+    <p:tnLst>
+      <p:par>
+        <p:cTn id="1" dur="indefinite" restart="never" nodeType="tmRoot"/>
+      </p:par>
+    </p:tnLst>
+  </p:timing>
 </p:sld>
 </file>
 
@@ -13773,6 +13810,13 @@
   <p:clrMapOvr>
     <a:masterClrMapping/>
   </p:clrMapOvr>
+  <p:timing>
+    <p:tnLst>
+      <p:par>
+        <p:cTn id="1" dur="indefinite" restart="never" nodeType="tmRoot"/>
+      </p:par>
+    </p:tnLst>
+  </p:timing>
 </p:sld>
 </file>
 
@@ -13842,7 +13886,23 @@
                   <a:schemeClr val="tx1"/>
                 </a:solidFill>
               </a:rPr>
-              <a:t>Format text using inbuilt tags to create Headers, alter alignment, bole/italicize, change </a:t>
+              <a:t>Format text using </a:t>
+            </a:r>
+            <a:r>
+              <a:rPr lang="en-US" dirty="0" smtClean="0">
+                <a:solidFill>
+                  <a:schemeClr val="tx1"/>
+                </a:solidFill>
+              </a:rPr>
+              <a:t>in-built </a:t>
+            </a:r>
+            <a:r>
+              <a:rPr lang="en-US" dirty="0" smtClean="0">
+                <a:solidFill>
+                  <a:schemeClr val="tx1"/>
+                </a:solidFill>
+              </a:rPr>
+              <a:t>tags to create Headers, alter alignment, bole/italicize, change </a:t>
             </a:r>
             <a:r>
               <a:rPr lang="en-US" dirty="0" err="1" smtClean="0">
@@ -14478,6 +14538,13 @@
   <p:clrMapOvr>
     <a:masterClrMapping/>
   </p:clrMapOvr>
+  <p:timing>
+    <p:tnLst>
+      <p:par>
+        <p:cTn id="1" dur="indefinite" restart="never" nodeType="tmRoot"/>
+      </p:par>
+    </p:tnLst>
+  </p:timing>
 </p:sld>
 </file>
 
@@ -14656,6 +14723,13 @@
   <p:clrMapOvr>
     <a:masterClrMapping/>
   </p:clrMapOvr>
+  <p:timing>
+    <p:tnLst>
+      <p:par>
+        <p:cTn id="1" dur="indefinite" restart="never" nodeType="tmRoot"/>
+      </p:par>
+    </p:tnLst>
+  </p:timing>
 </p:sld>
 </file>
 
@@ -14777,6 +14851,13 @@
   <p:clrMapOvr>
     <a:masterClrMapping/>
   </p:clrMapOvr>
+  <p:timing>
+    <p:tnLst>
+      <p:par>
+        <p:cTn id="1" dur="indefinite" restart="never" nodeType="tmRoot"/>
+      </p:par>
+    </p:tnLst>
+  </p:timing>
 </p:sld>
 </file>
 
@@ -15008,11 +15089,7 @@
             </a:r>
             <a:r>
               <a:rPr lang="en-US" b="1" dirty="0" smtClean="0"/>
-              <a:t> </a:t>
-            </a:r>
-            <a:r>
-              <a:rPr lang="en-US" b="1" dirty="0" smtClean="0"/>
-              <a:t>Jan</a:t>
+              <a:t> Jan</a:t>
             </a:r>
             <a:endParaRPr lang="en-US" b="1" dirty="0"/>
           </a:p>
@@ -15022,11 +15099,7 @@
             </a:pPr>
             <a:r>
               <a:rPr lang="en-US" dirty="0"/>
-              <a:t>– Troubleshooting </a:t>
-            </a:r>
-            <a:r>
-              <a:rPr lang="en-US" dirty="0"/>
-              <a:t>&amp; “BYO-App” </a:t>
+              <a:t>– Troubleshooting &amp; “BYO-App” </a:t>
             </a:r>
             <a:r>
               <a:rPr lang="en-US" dirty="0" smtClean="0"/>
@@ -15437,6 +15510,13 @@
   <p:clrMapOvr>
     <a:masterClrMapping/>
   </p:clrMapOvr>
+  <p:timing>
+    <p:tnLst>
+      <p:par>
+        <p:cTn id="1" dur="indefinite" restart="never" nodeType="tmRoot"/>
+      </p:par>
+    </p:tnLst>
+  </p:timing>
 </p:sld>
 </file>
 
@@ -15524,6 +15604,13 @@
   <p:clrMapOvr>
     <a:masterClrMapping/>
   </p:clrMapOvr>
+  <p:timing>
+    <p:tnLst>
+      <p:par>
+        <p:cTn id="1" dur="indefinite" restart="never" nodeType="tmRoot"/>
+      </p:par>
+    </p:tnLst>
+  </p:timing>
 </p:sld>
 </file>
 
@@ -15583,8 +15670,8 @@
         </p:blipFill>
         <p:spPr>
           <a:xfrm>
-            <a:off x="250236" y="1415550"/>
-            <a:ext cx="6528956" cy="3581324"/>
+            <a:off x="126663" y="1527585"/>
+            <a:ext cx="6776099" cy="3716889"/>
           </a:xfrm>
           <a:prstGeom prst="rect">
             <a:avLst/>
@@ -15599,7 +15686,7 @@
         </p:nvSpPr>
         <p:spPr>
           <a:xfrm>
-            <a:off x="3758336" y="6211669"/>
+            <a:off x="6902762" y="5680913"/>
             <a:ext cx="5222929" cy="646331"/>
           </a:xfrm>
           <a:prstGeom prst="rect">
@@ -15670,7 +15757,7 @@
         </p:nvSpPr>
         <p:spPr>
           <a:xfrm>
-            <a:off x="446314" y="5144655"/>
+            <a:off x="445107" y="5694556"/>
             <a:ext cx="6139213" cy="369332"/>
           </a:xfrm>
           <a:prstGeom prst="rect">
@@ -15742,6 +15829,13 @@
   <p:clrMapOvr>
     <a:masterClrMapping/>
   </p:clrMapOvr>
+  <p:timing>
+    <p:tnLst>
+      <p:par>
+        <p:cTn id="1" dur="indefinite" restart="never" nodeType="tmRoot"/>
+      </p:par>
+    </p:tnLst>
+  </p:timing>
 </p:sld>
 </file>
 
@@ -15855,6 +15949,13 @@
   <p:clrMapOvr>
     <a:masterClrMapping/>
   </p:clrMapOvr>
+  <p:timing>
+    <p:tnLst>
+      <p:par>
+        <p:cTn id="1" dur="indefinite" restart="never" nodeType="tmRoot"/>
+      </p:par>
+    </p:tnLst>
+  </p:timing>
 </p:sld>
 </file>
 
@@ -15909,11 +16010,15 @@
             </a:r>
             <a:r>
               <a:rPr lang="en-US" sz="1800" dirty="0" smtClean="0"/>
-              <a:t> (or other R plot) </a:t>
+              <a:t> </a:t>
+            </a:r>
+            <a:r>
+              <a:rPr lang="en-US" sz="1800" dirty="0" smtClean="0"/>
+              <a:t>code </a:t>
             </a:r>
             <a:r>
               <a:rPr lang="en-US" sz="1800" dirty="0"/>
-              <a:t>code can be output as is within </a:t>
+              <a:t>can be output as is within </a:t>
             </a:r>
             <a:r>
               <a:rPr lang="en-US" sz="1800" dirty="0" smtClean="0"/>
@@ -15925,9 +16030,20 @@
               <a:buFont typeface="Arial" panose="020B0604020202020204" pitchFamily="34" charset="0"/>
               <a:buChar char="•"/>
             </a:pPr>
+            <a:endParaRPr lang="en-US" sz="1800" dirty="0" smtClean="0"/>
+          </a:p>
+          <a:p>
+            <a:pPr marL="285750" indent="-285750">
+              <a:buFont typeface="Arial" panose="020B0604020202020204" pitchFamily="34" charset="0"/>
+              <a:buChar char="•"/>
+            </a:pPr>
+            <a:r>
+              <a:rPr lang="en-US" sz="1800" dirty="0" smtClean="0"/>
+              <a:t>Normal </a:t>
+            </a:r>
             <a:r>
               <a:rPr lang="en-US" sz="1800" dirty="0"/>
-              <a:t>Normal R plotting code inside </a:t>
+              <a:t>R plotting code inside </a:t>
             </a:r>
             <a:r>
               <a:rPr lang="en-US" sz="1800" b="1" dirty="0" err="1"/>
@@ -15937,6 +16053,12 @@
               <a:rPr lang="en-US" sz="1800" b="1" dirty="0" smtClean="0"/>
               <a:t>()</a:t>
             </a:r>
+          </a:p>
+          <a:p>
+            <a:pPr marL="285750" indent="-285750">
+              <a:buFont typeface="Arial" panose="020B0604020202020204" pitchFamily="34" charset="0"/>
+              <a:buChar char="•"/>
+            </a:pPr>
             <a:endParaRPr lang="en-US" sz="1800" b="1" dirty="0"/>
           </a:p>
           <a:p>
@@ -18548,6 +18670,13 @@
   <p:clrMapOvr>
     <a:masterClrMapping/>
   </p:clrMapOvr>
+  <p:timing>
+    <p:tnLst>
+      <p:par>
+        <p:cTn id="1" dur="indefinite" restart="never" nodeType="tmRoot"/>
+      </p:par>
+    </p:tnLst>
+  </p:timing>
 </p:sld>
 </file>
 
@@ -19345,6 +19474,13 @@
   <p:clrMapOvr>
     <a:masterClrMapping/>
   </p:clrMapOvr>
+  <p:timing>
+    <p:tnLst>
+      <p:par>
+        <p:cTn id="1" dur="indefinite" restart="never" nodeType="tmRoot"/>
+      </p:par>
+    </p:tnLst>
+  </p:timing>
 </p:sld>
 </file>
 
@@ -19428,6 +19564,13 @@
   <p:clrMapOvr>
     <a:masterClrMapping/>
   </p:clrMapOvr>
+  <p:timing>
+    <p:tnLst>
+      <p:par>
+        <p:cTn id="1" dur="indefinite" restart="never" nodeType="tmRoot"/>
+      </p:par>
+    </p:tnLst>
+  </p:timing>
 </p:sld>
 </file>
 
@@ -19628,6 +19771,13 @@
   <p:clrMapOvr>
     <a:masterClrMapping/>
   </p:clrMapOvr>
+  <p:timing>
+    <p:tnLst>
+      <p:par>
+        <p:cTn id="1" dur="indefinite" restart="never" nodeType="tmRoot"/>
+      </p:par>
+    </p:tnLst>
+  </p:timing>
 </p:sld>
 </file>
 
@@ -19859,6 +20009,13 @@
   <p:clrMapOvr>
     <a:masterClrMapping/>
   </p:clrMapOvr>
+  <p:timing>
+    <p:tnLst>
+      <p:par>
+        <p:cTn id="1" dur="indefinite" restart="never" nodeType="tmRoot"/>
+      </p:par>
+    </p:tnLst>
+  </p:timing>
 </p:sld>
 </file>
 
@@ -20010,6 +20167,13 @@
   <p:clrMapOvr>
     <a:masterClrMapping/>
   </p:clrMapOvr>
+  <p:timing>
+    <p:tnLst>
+      <p:par>
+        <p:cTn id="1" dur="indefinite" restart="never" nodeType="tmRoot"/>
+      </p:par>
+    </p:tnLst>
+  </p:timing>
 </p:sld>
 </file>
 
@@ -20118,6 +20282,13 @@
   <p:clrMapOvr>
     <a:masterClrMapping/>
   </p:clrMapOvr>
+  <p:timing>
+    <p:tnLst>
+      <p:par>
+        <p:cTn id="1" dur="indefinite" restart="never" nodeType="tmRoot"/>
+      </p:par>
+    </p:tnLst>
+  </p:timing>
 </p:sld>
 </file>
 
@@ -20950,24 +21121,6 @@
 </file>
 
 <file path=customXml/item1.xml><?xml version="1.0" encoding="utf-8"?>
-<?mso-contentType ?>
-<FormTemplates xmlns="http://schemas.microsoft.com/sharepoint/v3/contenttype/forms">
-  <Display>DocumentLibraryForm</Display>
-  <Edit>DocumentLibraryForm</Edit>
-  <New>DocumentLibraryForm</New>
-</FormTemplates>
-</file>
-
-<file path=customXml/item2.xml><?xml version="1.0" encoding="utf-8"?>
-<p:properties xmlns:p="http://schemas.microsoft.com/office/2006/metadata/properties" xmlns:xsi="http://www.w3.org/2001/XMLSchema-instance" xmlns:pc="http://schemas.microsoft.com/office/infopath/2007/PartnerControls">
-  <documentManagement>
-    <_ip_UnifiedCompliancePolicyUIAction xmlns="http://schemas.microsoft.com/sharepoint/v3" xsi:nil="true"/>
-    <_ip_UnifiedCompliancePolicyProperties xmlns="http://schemas.microsoft.com/sharepoint/v3" xsi:nil="true"/>
-  </documentManagement>
-</p:properties>
-</file>
-
-<file path=customXml/item3.xml><?xml version="1.0" encoding="utf-8"?>
 <ct:contentTypeSchema xmlns:ct="http://schemas.microsoft.com/office/2006/metadata/contentType" xmlns:ma="http://schemas.microsoft.com/office/2006/metadata/properties/metaAttributes" ct:_="" ma:_="" ma:contentTypeName="Document" ma:contentTypeID="0x010100DEEA25CC0A0AC24199CDC46C25B8B0BC" ma:contentTypeVersion="10" ma:contentTypeDescription="Create a new document." ma:contentTypeScope="" ma:versionID="e3b47856d4cf355c0dacb39e1084d14f">
   <xsd:schema xmlns:xsd="http://www.w3.org/2001/XMLSchema" xmlns:xs="http://www.w3.org/2001/XMLSchema" xmlns:p="http://schemas.microsoft.com/office/2006/metadata/properties" xmlns:ns1="http://schemas.microsoft.com/sharepoint/v3" xmlns:ns2="6dc4bcd6-49db-4c07-9060-8acfc67cef9f" xmlns:ns3="fb0879af-3eba-417a-a55a-ffe6dcd6ca77" targetNamespace="http://schemas.microsoft.com/office/2006/metadata/properties" ma:root="true" ma:fieldsID="a845a615265fdb1f7b12cc65ac20ecbd" ns1:_="" ns2:_="" ns3:_="">
     <xsd:import namespace="http://schemas.microsoft.com/sharepoint/v3"/>
@@ -21175,10 +21328,40 @@
 </ct:contentTypeSchema>
 </file>
 
+<file path=customXml/item2.xml><?xml version="1.0" encoding="utf-8"?>
+<p:properties xmlns:p="http://schemas.microsoft.com/office/2006/metadata/properties" xmlns:xsi="http://www.w3.org/2001/XMLSchema-instance" xmlns:pc="http://schemas.microsoft.com/office/infopath/2007/PartnerControls">
+  <documentManagement>
+    <_ip_UnifiedCompliancePolicyUIAction xmlns="http://schemas.microsoft.com/sharepoint/v3" xsi:nil="true"/>
+    <_ip_UnifiedCompliancePolicyProperties xmlns="http://schemas.microsoft.com/sharepoint/v3" xsi:nil="true"/>
+  </documentManagement>
+</p:properties>
+</file>
+
+<file path=customXml/item3.xml><?xml version="1.0" encoding="utf-8"?>
+<?mso-contentType ?>
+<FormTemplates xmlns="http://schemas.microsoft.com/sharepoint/v3/contenttype/forms">
+  <Display>DocumentLibraryForm</Display>
+  <Edit>DocumentLibraryForm</Edit>
+  <New>DocumentLibraryForm</New>
+</FormTemplates>
+</file>
+
 <file path=customXml/itemProps1.xml><?xml version="1.0" encoding="utf-8"?>
-<ds:datastoreItem xmlns:ds="http://schemas.openxmlformats.org/officeDocument/2006/customXml" ds:itemID="{723BE856-B6C2-4675-AE16-47A27D415D46}">
+<ds:datastoreItem xmlns:ds="http://schemas.openxmlformats.org/officeDocument/2006/customXml" ds:itemID="{67D8A4B1-1036-4F2B-9C1A-A86F68D31427}">
   <ds:schemaRefs>
-    <ds:schemaRef ds:uri="http://schemas.microsoft.com/sharepoint/v3/contenttype/forms"/>
+    <ds:schemaRef ds:uri="http://schemas.microsoft.com/office/2006/metadata/contentType"/>
+    <ds:schemaRef ds:uri="http://schemas.microsoft.com/office/2006/metadata/properties/metaAttributes"/>
+    <ds:schemaRef ds:uri="http://www.w3.org/2001/XMLSchema"/>
+    <ds:schemaRef ds:uri="http://schemas.microsoft.com/office/2006/metadata/properties"/>
+    <ds:schemaRef ds:uri="http://schemas.microsoft.com/sharepoint/v3"/>
+    <ds:schemaRef ds:uri="6dc4bcd6-49db-4c07-9060-8acfc67cef9f"/>
+    <ds:schemaRef ds:uri="fb0879af-3eba-417a-a55a-ffe6dcd6ca77"/>
+    <ds:schemaRef ds:uri="http://schemas.microsoft.com/office/2006/documentManagement/types"/>
+    <ds:schemaRef ds:uri="http://schemas.microsoft.com/office/infopath/2007/PartnerControls"/>
+    <ds:schemaRef ds:uri="http://schemas.openxmlformats.org/package/2006/metadata/core-properties"/>
+    <ds:schemaRef ds:uri="http://purl.org/dc/elements/1.1/"/>
+    <ds:schemaRef ds:uri="http://purl.org/dc/terms/"/>
+    <ds:schemaRef ds:uri="http://schemas.microsoft.com/internal/obd"/>
   </ds:schemaRefs>
 </ds:datastoreItem>
 </file>
@@ -21202,21 +21385,9 @@
 </file>
 
 <file path=customXml/itemProps3.xml><?xml version="1.0" encoding="utf-8"?>
-<ds:datastoreItem xmlns:ds="http://schemas.openxmlformats.org/officeDocument/2006/customXml" ds:itemID="{67D8A4B1-1036-4F2B-9C1A-A86F68D31427}">
+<ds:datastoreItem xmlns:ds="http://schemas.openxmlformats.org/officeDocument/2006/customXml" ds:itemID="{723BE856-B6C2-4675-AE16-47A27D415D46}">
   <ds:schemaRefs>
-    <ds:schemaRef ds:uri="http://schemas.microsoft.com/office/2006/metadata/contentType"/>
-    <ds:schemaRef ds:uri="http://schemas.microsoft.com/office/2006/metadata/properties/metaAttributes"/>
-    <ds:schemaRef ds:uri="http://www.w3.org/2001/XMLSchema"/>
-    <ds:schemaRef ds:uri="http://schemas.microsoft.com/office/2006/metadata/properties"/>
-    <ds:schemaRef ds:uri="http://schemas.microsoft.com/sharepoint/v3"/>
-    <ds:schemaRef ds:uri="6dc4bcd6-49db-4c07-9060-8acfc67cef9f"/>
-    <ds:schemaRef ds:uri="fb0879af-3eba-417a-a55a-ffe6dcd6ca77"/>
-    <ds:schemaRef ds:uri="http://schemas.microsoft.com/office/2006/documentManagement/types"/>
-    <ds:schemaRef ds:uri="http://schemas.microsoft.com/office/infopath/2007/PartnerControls"/>
-    <ds:schemaRef ds:uri="http://schemas.openxmlformats.org/package/2006/metadata/core-properties"/>
-    <ds:schemaRef ds:uri="http://purl.org/dc/elements/1.1/"/>
-    <ds:schemaRef ds:uri="http://purl.org/dc/terms/"/>
-    <ds:schemaRef ds:uri="http://schemas.microsoft.com/internal/obd"/>
+    <ds:schemaRef ds:uri="http://schemas.microsoft.com/sharepoint/v3/contenttype/forms"/>
   </ds:schemaRefs>
 </ds:datastoreItem>
 </file>